--- a/slides/FlexLayout.pptx
+++ b/slides/FlexLayout.pptx
@@ -14,6 +14,9 @@
     <p:sldId id="262" r:id="rId8"/>
     <p:sldId id="263" r:id="rId9"/>
     <p:sldId id="264" r:id="rId10"/>
+    <p:sldId id="265" r:id="rId11"/>
+    <p:sldId id="266" r:id="rId12"/>
+    <p:sldId id="267" r:id="rId13"/>
   </p:sldIdLst>
   <p:sldSz cx="12192000" cy="6858000"/>
   <p:notesSz cx="6858000" cy="9144000"/>
@@ -112,6 +115,11 @@
       </a:defRPr>
     </a:lvl9pPr>
   </p:defaultTextStyle>
+  <p:extLst>
+    <p:ext uri="{EFAFB233-063F-42B5-8137-9DF3F51BA10A}">
+      <p15:sldGuideLst xmlns:p15="http://schemas.microsoft.com/office/powerpoint/2012/main"/>
+    </p:ext>
+  </p:extLst>
 </p:presentation>
 </file>
 
@@ -3416,6 +3424,675 @@
 </p:sld>
 </file>
 
+<file path=ppt/slides/slide10.xml><?xml version="1.0" encoding="utf-8"?>
+<p:sld xmlns:a="http://schemas.openxmlformats.org/drawingml/2006/main" xmlns:r="http://schemas.openxmlformats.org/officeDocument/2006/relationships" xmlns:p="http://schemas.openxmlformats.org/presentationml/2006/main">
+  <p:cSld>
+    <p:spTree>
+      <p:nvGrpSpPr>
+        <p:cNvPr id="1" name=""/>
+        <p:cNvGrpSpPr/>
+        <p:nvPr/>
+      </p:nvGrpSpPr>
+      <p:grpSpPr>
+        <a:xfrm>
+          <a:off x="0" y="0"/>
+          <a:ext cx="0" cy="0"/>
+          <a:chOff x="0" y="0"/>
+          <a:chExt cx="0" cy="0"/>
+        </a:xfrm>
+      </p:grpSpPr>
+      <p:sp>
+        <p:nvSpPr>
+          <p:cNvPr id="2" name="Titel 1">
+            <a:extLst>
+              <a:ext uri="{FF2B5EF4-FFF2-40B4-BE49-F238E27FC236}">
+                <a16:creationId xmlns:a16="http://schemas.microsoft.com/office/drawing/2014/main" id="{A3F2F368-E615-FEEA-7680-8A5D53F55C96}"/>
+              </a:ext>
+            </a:extLst>
+          </p:cNvPr>
+          <p:cNvSpPr>
+            <a:spLocks noGrp="1"/>
+          </p:cNvSpPr>
+          <p:nvPr>
+            <p:ph type="title"/>
+          </p:nvPr>
+        </p:nvSpPr>
+        <p:spPr/>
+        <p:txBody>
+          <a:bodyPr/>
+          <a:lstStyle/>
+          <a:p>
+            <a:r>
+              <a:rPr lang="nl-BE" dirty="0"/>
+              <a:t>Volgorde veranderen van items</a:t>
+            </a:r>
+          </a:p>
+        </p:txBody>
+      </p:sp>
+      <p:sp>
+        <p:nvSpPr>
+          <p:cNvPr id="3" name="Tijdelijke aanduiding voor inhoud 2">
+            <a:extLst>
+              <a:ext uri="{FF2B5EF4-FFF2-40B4-BE49-F238E27FC236}">
+                <a16:creationId xmlns:a16="http://schemas.microsoft.com/office/drawing/2014/main" id="{B10957A7-9F1B-5C6F-C7F2-FD1396E0DDF3}"/>
+              </a:ext>
+            </a:extLst>
+          </p:cNvPr>
+          <p:cNvSpPr>
+            <a:spLocks noGrp="1"/>
+          </p:cNvSpPr>
+          <p:nvPr>
+            <p:ph idx="1"/>
+          </p:nvPr>
+        </p:nvSpPr>
+        <p:spPr/>
+        <p:txBody>
+          <a:bodyPr/>
+          <a:lstStyle/>
+          <a:p>
+            <a:r>
+              <a:rPr lang="nl-BE" dirty="0"/>
+              <a:t>Doe dit alleen als het visueel zin heeft (</a:t>
+            </a:r>
+            <a:r>
+              <a:rPr lang="nl-BE" dirty="0" err="1"/>
+              <a:t>bvb</a:t>
+            </a:r>
+            <a:r>
+              <a:rPr lang="nl-BE" dirty="0"/>
+              <a:t> </a:t>
+            </a:r>
+            <a:r>
+              <a:rPr lang="nl-BE" dirty="0" err="1"/>
+              <a:t>responsive</a:t>
+            </a:r>
+            <a:r>
+              <a:rPr lang="nl-BE" dirty="0"/>
+              <a:t> design)</a:t>
+            </a:r>
+          </a:p>
+          <a:p>
+            <a:r>
+              <a:rPr lang="nl-BE" dirty="0"/>
+              <a:t>NOOIT als het te maken heeft met logische data volgorde</a:t>
+            </a:r>
+          </a:p>
+          <a:p>
+            <a:r>
+              <a:rPr lang="nl-BE" dirty="0"/>
+              <a:t>Let op met </a:t>
+            </a:r>
+            <a:r>
+              <a:rPr lang="nl-BE" dirty="0" err="1"/>
+              <a:t>assistive</a:t>
+            </a:r>
+            <a:r>
+              <a:rPr lang="nl-BE" dirty="0"/>
+              <a:t> </a:t>
+            </a:r>
+            <a:r>
+              <a:rPr lang="nl-BE" dirty="0" err="1"/>
+              <a:t>technologies</a:t>
+            </a:r>
+            <a:r>
+              <a:rPr lang="nl-BE" dirty="0"/>
+              <a:t> (screen readers)</a:t>
+            </a:r>
+          </a:p>
+          <a:p>
+            <a:r>
+              <a:rPr lang="nl-BE" dirty="0"/>
+              <a:t>property: order (default: 0) (“</a:t>
+            </a:r>
+            <a:r>
+              <a:rPr lang="nl-BE" dirty="0" err="1"/>
+              <a:t>Ordinal</a:t>
+            </a:r>
+            <a:r>
+              <a:rPr lang="nl-BE" dirty="0"/>
+              <a:t> Group”)</a:t>
+            </a:r>
+          </a:p>
+          <a:p>
+            <a:r>
+              <a:rPr lang="nl-BE" dirty="0"/>
+              <a:t>Demo05</a:t>
+            </a:r>
+          </a:p>
+        </p:txBody>
+      </p:sp>
+    </p:spTree>
+    <p:extLst>
+      <p:ext uri="{BB962C8B-B14F-4D97-AF65-F5344CB8AC3E}">
+        <p14:creationId xmlns:p14="http://schemas.microsoft.com/office/powerpoint/2010/main" val="3523124321"/>
+      </p:ext>
+    </p:extLst>
+  </p:cSld>
+  <p:clrMapOvr>
+    <a:masterClrMapping/>
+  </p:clrMapOvr>
+</p:sld>
+</file>
+
+<file path=ppt/slides/slide11.xml><?xml version="1.0" encoding="utf-8"?>
+<p:sld xmlns:a="http://schemas.openxmlformats.org/drawingml/2006/main" xmlns:r="http://schemas.openxmlformats.org/officeDocument/2006/relationships" xmlns:p="http://schemas.openxmlformats.org/presentationml/2006/main">
+  <p:cSld>
+    <p:spTree>
+      <p:nvGrpSpPr>
+        <p:cNvPr id="1" name=""/>
+        <p:cNvGrpSpPr/>
+        <p:nvPr/>
+      </p:nvGrpSpPr>
+      <p:grpSpPr>
+        <a:xfrm>
+          <a:off x="0" y="0"/>
+          <a:ext cx="0" cy="0"/>
+          <a:chOff x="0" y="0"/>
+          <a:chExt cx="0" cy="0"/>
+        </a:xfrm>
+      </p:grpSpPr>
+      <p:sp>
+        <p:nvSpPr>
+          <p:cNvPr id="2" name="Titel 1">
+            <a:extLst>
+              <a:ext uri="{FF2B5EF4-FFF2-40B4-BE49-F238E27FC236}">
+                <a16:creationId xmlns:a16="http://schemas.microsoft.com/office/drawing/2014/main" id="{4621E655-5E19-0ABA-CEF4-7ED3AAF91B42}"/>
+              </a:ext>
+            </a:extLst>
+          </p:cNvPr>
+          <p:cNvSpPr>
+            <a:spLocks noGrp="1"/>
+          </p:cNvSpPr>
+          <p:nvPr>
+            <p:ph type="title"/>
+          </p:nvPr>
+        </p:nvSpPr>
+        <p:spPr/>
+        <p:txBody>
+          <a:bodyPr/>
+          <a:lstStyle/>
+          <a:p>
+            <a:r>
+              <a:rPr lang="nl-BE" dirty="0"/>
+              <a:t>Flexibility</a:t>
+            </a:r>
+          </a:p>
+        </p:txBody>
+      </p:sp>
+      <p:sp>
+        <p:nvSpPr>
+          <p:cNvPr id="3" name="Tijdelijke aanduiding voor inhoud 2">
+            <a:extLst>
+              <a:ext uri="{FF2B5EF4-FFF2-40B4-BE49-F238E27FC236}">
+                <a16:creationId xmlns:a16="http://schemas.microsoft.com/office/drawing/2014/main" id="{19A5B235-D029-57C5-D6D2-FE4B7AD9C107}"/>
+              </a:ext>
+            </a:extLst>
+          </p:cNvPr>
+          <p:cNvSpPr>
+            <a:spLocks noGrp="1"/>
+          </p:cNvSpPr>
+          <p:nvPr>
+            <p:ph idx="1"/>
+          </p:nvPr>
+        </p:nvSpPr>
+        <p:spPr/>
+        <p:txBody>
+          <a:bodyPr>
+            <a:normAutofit fontScale="85000" lnSpcReduction="20000"/>
+          </a:bodyPr>
+          <a:lstStyle/>
+          <a:p>
+            <a:r>
+              <a:rPr lang="nl-BE" dirty="0"/>
+              <a:t>Dit is de kracht van de </a:t>
+            </a:r>
+            <a:r>
+              <a:rPr lang="nl-BE" dirty="0" err="1"/>
+              <a:t>flex</a:t>
+            </a:r>
+            <a:r>
+              <a:rPr lang="nl-BE" dirty="0"/>
+              <a:t> </a:t>
+            </a:r>
+            <a:r>
+              <a:rPr lang="nl-BE" dirty="0" err="1"/>
+              <a:t>layout</a:t>
+            </a:r>
+            <a:r>
+              <a:rPr lang="nl-BE" dirty="0"/>
+              <a:t>, hoe het item zich schaalt </a:t>
+            </a:r>
+            <a:r>
+              <a:rPr lang="nl-BE" dirty="0" err="1"/>
+              <a:t>mbt</a:t>
+            </a:r>
+            <a:r>
+              <a:rPr lang="nl-BE" dirty="0"/>
+              <a:t> vrije ruimte is (teveel of te weinig)</a:t>
+            </a:r>
+          </a:p>
+          <a:p>
+            <a:r>
+              <a:rPr lang="nl-BE" dirty="0" err="1"/>
+              <a:t>flex-grow</a:t>
+            </a:r>
+            <a:r>
+              <a:rPr lang="nl-BE" dirty="0"/>
+              <a:t> (op een item zetten)</a:t>
+            </a:r>
+          </a:p>
+          <a:p>
+            <a:pPr lvl="1"/>
+            <a:r>
+              <a:rPr lang="nl-BE" dirty="0"/>
+              <a:t>1 </a:t>
+            </a:r>
+            <a:r>
+              <a:rPr lang="nl-BE" dirty="0">
+                <a:sym typeface="Wingdings" panose="05000000000000000000" pitchFamily="2" charset="2"/>
+              </a:rPr>
+              <a:t> vrije ruimte wordt </a:t>
+            </a:r>
+            <a:r>
+              <a:rPr lang="nl-BE" dirty="0" err="1">
+                <a:sym typeface="Wingdings" panose="05000000000000000000" pitchFamily="2" charset="2"/>
+              </a:rPr>
+              <a:t>propertioneel</a:t>
+            </a:r>
+            <a:r>
+              <a:rPr lang="nl-BE" dirty="0">
+                <a:sym typeface="Wingdings" panose="05000000000000000000" pitchFamily="2" charset="2"/>
+              </a:rPr>
+              <a:t> opgevuld</a:t>
+            </a:r>
+          </a:p>
+          <a:p>
+            <a:pPr lvl="1"/>
+            <a:r>
+              <a:rPr lang="nl-BE" dirty="0">
+                <a:sym typeface="Wingdings" panose="05000000000000000000" pitchFamily="2" charset="2"/>
+              </a:rPr>
+              <a:t>0  groeit niet</a:t>
+            </a:r>
+          </a:p>
+          <a:p>
+            <a:r>
+              <a:rPr lang="nl-BE" dirty="0" err="1">
+                <a:sym typeface="Wingdings" panose="05000000000000000000" pitchFamily="2" charset="2"/>
+              </a:rPr>
+              <a:t>flex-shrink</a:t>
+            </a:r>
+            <a:r>
+              <a:rPr lang="nl-BE" dirty="0">
+                <a:sym typeface="Wingdings" panose="05000000000000000000" pitchFamily="2" charset="2"/>
+              </a:rPr>
+              <a:t> (op een item zetten)</a:t>
+            </a:r>
+          </a:p>
+          <a:p>
+            <a:pPr lvl="1"/>
+            <a:r>
+              <a:rPr lang="nl-BE" dirty="0">
+                <a:sym typeface="Wingdings" panose="05000000000000000000" pitchFamily="2" charset="2"/>
+              </a:rPr>
+              <a:t>2  grootte van het item krimpt proportioneel dubbel</a:t>
+            </a:r>
+          </a:p>
+          <a:p>
+            <a:pPr lvl="1"/>
+            <a:r>
+              <a:rPr lang="nl-BE" dirty="0">
+                <a:sym typeface="Wingdings" panose="05000000000000000000" pitchFamily="2" charset="2"/>
+              </a:rPr>
+              <a:t>0  krimpt niet (behoudt grootte)</a:t>
+            </a:r>
+          </a:p>
+          <a:p>
+            <a:r>
+              <a:rPr lang="nl-BE" dirty="0" err="1">
+                <a:sym typeface="Wingdings" panose="05000000000000000000" pitchFamily="2" charset="2"/>
+              </a:rPr>
+              <a:t>flex</a:t>
+            </a:r>
+            <a:r>
+              <a:rPr lang="nl-BE" dirty="0">
+                <a:sym typeface="Wingdings" panose="05000000000000000000" pitchFamily="2" charset="2"/>
+              </a:rPr>
+              <a:t>-basis</a:t>
+            </a:r>
+          </a:p>
+          <a:p>
+            <a:pPr lvl="1"/>
+            <a:r>
+              <a:rPr lang="nl-BE" dirty="0">
+                <a:sym typeface="Wingdings" panose="05000000000000000000" pitchFamily="2" charset="2"/>
+              </a:rPr>
+              <a:t>Zet de initiële grootte (</a:t>
+            </a:r>
+            <a:r>
+              <a:rPr lang="nl-BE" dirty="0" err="1">
+                <a:sym typeface="Wingdings" panose="05000000000000000000" pitchFamily="2" charset="2"/>
+              </a:rPr>
+              <a:t>ipv</a:t>
+            </a:r>
+            <a:r>
+              <a:rPr lang="nl-BE" dirty="0">
+                <a:sym typeface="Wingdings" panose="05000000000000000000" pitchFamily="2" charset="2"/>
+              </a:rPr>
+              <a:t> </a:t>
+            </a:r>
+            <a:r>
+              <a:rPr lang="nl-BE" dirty="0" err="1">
+                <a:sym typeface="Wingdings" panose="05000000000000000000" pitchFamily="2" charset="2"/>
+              </a:rPr>
+              <a:t>width</a:t>
+            </a:r>
+            <a:r>
+              <a:rPr lang="nl-BE" dirty="0">
+                <a:sym typeface="Wingdings" panose="05000000000000000000" pitchFamily="2" charset="2"/>
+              </a:rPr>
+              <a:t>)</a:t>
+            </a:r>
+          </a:p>
+          <a:p>
+            <a:r>
+              <a:rPr lang="nl-BE" dirty="0">
+                <a:sym typeface="Wingdings" panose="05000000000000000000" pitchFamily="2" charset="2"/>
+              </a:rPr>
+              <a:t>Shorthand</a:t>
+            </a:r>
+          </a:p>
+          <a:p>
+            <a:pPr lvl="1"/>
+            <a:r>
+              <a:rPr lang="nl-BE" dirty="0" err="1">
+                <a:sym typeface="Wingdings" panose="05000000000000000000" pitchFamily="2" charset="2"/>
+              </a:rPr>
+              <a:t>flex</a:t>
+            </a:r>
+            <a:r>
+              <a:rPr lang="nl-BE" dirty="0">
+                <a:sym typeface="Wingdings" panose="05000000000000000000" pitchFamily="2" charset="2"/>
+              </a:rPr>
+              <a:t>: </a:t>
+            </a:r>
+            <a:r>
+              <a:rPr lang="nl-BE" dirty="0" err="1">
+                <a:sym typeface="Wingdings" panose="05000000000000000000" pitchFamily="2" charset="2"/>
+              </a:rPr>
+              <a:t>flex-grow</a:t>
+            </a:r>
+            <a:r>
+              <a:rPr lang="nl-BE" dirty="0">
+                <a:sym typeface="Wingdings" panose="05000000000000000000" pitchFamily="2" charset="2"/>
+              </a:rPr>
+              <a:t> </a:t>
+            </a:r>
+            <a:r>
+              <a:rPr lang="nl-BE" dirty="0" err="1">
+                <a:sym typeface="Wingdings" panose="05000000000000000000" pitchFamily="2" charset="2"/>
+              </a:rPr>
+              <a:t>flex-shrink</a:t>
+            </a:r>
+            <a:r>
+              <a:rPr lang="nl-BE" dirty="0">
+                <a:sym typeface="Wingdings" panose="05000000000000000000" pitchFamily="2" charset="2"/>
+              </a:rPr>
+              <a:t> </a:t>
+            </a:r>
+            <a:r>
+              <a:rPr lang="nl-BE" dirty="0" err="1">
+                <a:sym typeface="Wingdings" panose="05000000000000000000" pitchFamily="2" charset="2"/>
+              </a:rPr>
+              <a:t>flex</a:t>
+            </a:r>
+            <a:r>
+              <a:rPr lang="nl-BE" dirty="0">
+                <a:sym typeface="Wingdings" panose="05000000000000000000" pitchFamily="2" charset="2"/>
+              </a:rPr>
+              <a:t>-basis;</a:t>
+            </a:r>
+          </a:p>
+          <a:p>
+            <a:r>
+              <a:rPr lang="nl-BE" dirty="0">
+                <a:sym typeface="Wingdings" panose="05000000000000000000" pitchFamily="2" charset="2"/>
+              </a:rPr>
+              <a:t>Demo06</a:t>
+            </a:r>
+            <a:endParaRPr lang="nl-BE" dirty="0"/>
+          </a:p>
+        </p:txBody>
+      </p:sp>
+    </p:spTree>
+    <p:extLst>
+      <p:ext uri="{BB962C8B-B14F-4D97-AF65-F5344CB8AC3E}">
+        <p14:creationId xmlns:p14="http://schemas.microsoft.com/office/powerpoint/2010/main" val="3392556871"/>
+      </p:ext>
+    </p:extLst>
+  </p:cSld>
+  <p:clrMapOvr>
+    <a:masterClrMapping/>
+  </p:clrMapOvr>
+</p:sld>
+</file>
+
+<file path=ppt/slides/slide12.xml><?xml version="1.0" encoding="utf-8"?>
+<p:sld xmlns:a="http://schemas.openxmlformats.org/drawingml/2006/main" xmlns:r="http://schemas.openxmlformats.org/officeDocument/2006/relationships" xmlns:p="http://schemas.openxmlformats.org/presentationml/2006/main">
+  <p:cSld>
+    <p:spTree>
+      <p:nvGrpSpPr>
+        <p:cNvPr id="1" name=""/>
+        <p:cNvGrpSpPr/>
+        <p:nvPr/>
+      </p:nvGrpSpPr>
+      <p:grpSpPr>
+        <a:xfrm>
+          <a:off x="0" y="0"/>
+          <a:ext cx="0" cy="0"/>
+          <a:chOff x="0" y="0"/>
+          <a:chExt cx="0" cy="0"/>
+        </a:xfrm>
+      </p:grpSpPr>
+      <p:sp>
+        <p:nvSpPr>
+          <p:cNvPr id="2" name="Titel 1">
+            <a:extLst>
+              <a:ext uri="{FF2B5EF4-FFF2-40B4-BE49-F238E27FC236}">
+                <a16:creationId xmlns:a16="http://schemas.microsoft.com/office/drawing/2014/main" id="{953E92C1-D86D-2789-3F53-5BC4C611EA67}"/>
+              </a:ext>
+            </a:extLst>
+          </p:cNvPr>
+          <p:cNvSpPr>
+            <a:spLocks noGrp="1"/>
+          </p:cNvSpPr>
+          <p:nvPr>
+            <p:ph type="title"/>
+          </p:nvPr>
+        </p:nvSpPr>
+        <p:spPr/>
+        <p:txBody>
+          <a:bodyPr/>
+          <a:lstStyle/>
+          <a:p>
+            <a:r>
+              <a:rPr lang="nl-BE" dirty="0" err="1"/>
+              <a:t>Alignment</a:t>
+            </a:r>
+            <a:endParaRPr lang="nl-BE" dirty="0"/>
+          </a:p>
+        </p:txBody>
+      </p:sp>
+      <p:sp>
+        <p:nvSpPr>
+          <p:cNvPr id="3" name="Tijdelijke aanduiding voor inhoud 2">
+            <a:extLst>
+              <a:ext uri="{FF2B5EF4-FFF2-40B4-BE49-F238E27FC236}">
+                <a16:creationId xmlns:a16="http://schemas.microsoft.com/office/drawing/2014/main" id="{7C163B7E-F67A-5C15-E312-035034A55632}"/>
+              </a:ext>
+            </a:extLst>
+          </p:cNvPr>
+          <p:cNvSpPr>
+            <a:spLocks noGrp="1"/>
+          </p:cNvSpPr>
+          <p:nvPr>
+            <p:ph idx="1"/>
+          </p:nvPr>
+        </p:nvSpPr>
+        <p:spPr/>
+        <p:txBody>
+          <a:bodyPr/>
+          <a:lstStyle/>
+          <a:p>
+            <a:r>
+              <a:rPr lang="nl-BE" dirty="0"/>
+              <a:t>Lost het probleem op van verticaal centreren (maar ook andere)</a:t>
+            </a:r>
+          </a:p>
+          <a:p>
+            <a:r>
+              <a:rPr lang="nl-BE" dirty="0" err="1"/>
+              <a:t>justify</a:t>
+            </a:r>
+            <a:r>
+              <a:rPr lang="nl-BE" dirty="0"/>
+              <a:t>-content</a:t>
+            </a:r>
+          </a:p>
+          <a:p>
+            <a:pPr lvl="1"/>
+            <a:r>
+              <a:rPr lang="nl-BE" dirty="0">
+                <a:sym typeface="Wingdings" panose="05000000000000000000" pitchFamily="2" charset="2"/>
+              </a:rPr>
+              <a:t>aligneert volgens de </a:t>
+            </a:r>
+            <a:r>
+              <a:rPr lang="nl-BE" dirty="0" err="1">
+                <a:sym typeface="Wingdings" panose="05000000000000000000" pitchFamily="2" charset="2"/>
+              </a:rPr>
+              <a:t>Main</a:t>
+            </a:r>
+            <a:r>
+              <a:rPr lang="nl-BE" dirty="0">
+                <a:sym typeface="Wingdings" panose="05000000000000000000" pitchFamily="2" charset="2"/>
+              </a:rPr>
+              <a:t> </a:t>
+            </a:r>
+            <a:r>
+              <a:rPr lang="nl-BE" dirty="0" err="1">
+                <a:sym typeface="Wingdings" panose="05000000000000000000" pitchFamily="2" charset="2"/>
+              </a:rPr>
+              <a:t>Axis</a:t>
+            </a:r>
+            <a:r>
+              <a:rPr lang="nl-BE" dirty="0">
+                <a:sym typeface="Wingdings" panose="05000000000000000000" pitchFamily="2" charset="2"/>
+              </a:rPr>
+              <a:t>, combineer met </a:t>
+            </a:r>
+            <a:r>
+              <a:rPr lang="nl-BE" dirty="0" err="1">
+                <a:sym typeface="Wingdings" panose="05000000000000000000" pitchFamily="2" charset="2"/>
+              </a:rPr>
+              <a:t>flex-direction</a:t>
+            </a:r>
+            <a:endParaRPr lang="nl-BE" dirty="0">
+              <a:sym typeface="Wingdings" panose="05000000000000000000" pitchFamily="2" charset="2"/>
+            </a:endParaRPr>
+          </a:p>
+          <a:p>
+            <a:pPr lvl="1"/>
+            <a:r>
+              <a:rPr lang="nl-BE" dirty="0">
+                <a:sym typeface="Wingdings" panose="05000000000000000000" pitchFamily="2" charset="2"/>
+              </a:rPr>
+              <a:t>Demo07</a:t>
+            </a:r>
+          </a:p>
+          <a:p>
+            <a:r>
+              <a:rPr lang="nl-BE" dirty="0" err="1">
+                <a:sym typeface="Wingdings" panose="05000000000000000000" pitchFamily="2" charset="2"/>
+              </a:rPr>
+              <a:t>align</a:t>
+            </a:r>
+            <a:r>
+              <a:rPr lang="nl-BE" dirty="0">
+                <a:sym typeface="Wingdings" panose="05000000000000000000" pitchFamily="2" charset="2"/>
+              </a:rPr>
+              <a:t>-items</a:t>
+            </a:r>
+          </a:p>
+          <a:p>
+            <a:pPr lvl="1"/>
+            <a:r>
+              <a:rPr lang="nl-BE" dirty="0" err="1">
+                <a:sym typeface="Wingdings" panose="05000000000000000000" pitchFamily="2" charset="2"/>
+              </a:rPr>
+              <a:t>Alinieert</a:t>
+            </a:r>
+            <a:r>
+              <a:rPr lang="nl-BE" dirty="0">
+                <a:sym typeface="Wingdings" panose="05000000000000000000" pitchFamily="2" charset="2"/>
+              </a:rPr>
+              <a:t> volgens de Cross </a:t>
+            </a:r>
+            <a:r>
+              <a:rPr lang="nl-BE" dirty="0" err="1">
+                <a:sym typeface="Wingdings" panose="05000000000000000000" pitchFamily="2" charset="2"/>
+              </a:rPr>
+              <a:t>Axis</a:t>
+            </a:r>
+            <a:endParaRPr lang="nl-BE" dirty="0">
+              <a:sym typeface="Wingdings" panose="05000000000000000000" pitchFamily="2" charset="2"/>
+            </a:endParaRPr>
+          </a:p>
+          <a:p>
+            <a:pPr lvl="1"/>
+            <a:r>
+              <a:rPr lang="nl-BE" dirty="0">
+                <a:sym typeface="Wingdings" panose="05000000000000000000" pitchFamily="2" charset="2"/>
+              </a:rPr>
+              <a:t>Demo08</a:t>
+            </a:r>
+          </a:p>
+          <a:p>
+            <a:pPr lvl="1"/>
+            <a:endParaRPr lang="nl-BE" dirty="0">
+              <a:sym typeface="Wingdings" panose="05000000000000000000" pitchFamily="2" charset="2"/>
+            </a:endParaRPr>
+          </a:p>
+          <a:p>
+            <a:r>
+              <a:rPr lang="nl-BE" dirty="0">
+                <a:sym typeface="Wingdings" panose="05000000000000000000" pitchFamily="2" charset="2"/>
+              </a:rPr>
+              <a:t>Ook interessant: gap (ruimte tussen items)</a:t>
+            </a:r>
+          </a:p>
+          <a:p>
+            <a:pPr lvl="1"/>
+            <a:endParaRPr lang="nl-BE" dirty="0"/>
+          </a:p>
+          <a:p>
+            <a:endParaRPr lang="nl-BE" dirty="0"/>
+          </a:p>
+        </p:txBody>
+      </p:sp>
+    </p:spTree>
+    <p:extLst>
+      <p:ext uri="{BB962C8B-B14F-4D97-AF65-F5344CB8AC3E}">
+        <p14:creationId xmlns:p14="http://schemas.microsoft.com/office/powerpoint/2010/main" val="2445885518"/>
+      </p:ext>
+    </p:extLst>
+  </p:cSld>
+  <p:clrMapOvr>
+    <a:masterClrMapping/>
+  </p:clrMapOvr>
+</p:sld>
+</file>
+
 <file path=ppt/slides/slide2.xml><?xml version="1.0" encoding="utf-8"?>
 <p:sld xmlns:a="http://schemas.openxmlformats.org/drawingml/2006/main" xmlns:r="http://schemas.openxmlformats.org/officeDocument/2006/relationships" xmlns:p="http://schemas.openxmlformats.org/presentationml/2006/main">
   <p:cSld>
